--- a/présentation.pptx
+++ b/présentation.pptx
@@ -5,10 +5,10 @@
     <p:sldMasterId id="2147483673" r:id="rId1"/>
   </p:sldMasterIdLst>
   <p:notesMasterIdLst>
-    <p:notesMasterId r:id="rId15"/>
+    <p:notesMasterId r:id="rId17"/>
   </p:notesMasterIdLst>
   <p:handoutMasterIdLst>
-    <p:handoutMasterId r:id="rId16"/>
+    <p:handoutMasterId r:id="rId18"/>
   </p:handoutMasterIdLst>
   <p:sldIdLst>
     <p:sldId id="257" r:id="rId2"/>
@@ -18,12 +18,14 @@
     <p:sldId id="258" r:id="rId6"/>
     <p:sldId id="263" r:id="rId7"/>
     <p:sldId id="268" r:id="rId8"/>
-    <p:sldId id="265" r:id="rId9"/>
-    <p:sldId id="270" r:id="rId10"/>
-    <p:sldId id="264" r:id="rId11"/>
-    <p:sldId id="269" r:id="rId12"/>
-    <p:sldId id="266" r:id="rId13"/>
-    <p:sldId id="267" r:id="rId14"/>
+    <p:sldId id="264" r:id="rId9"/>
+    <p:sldId id="269" r:id="rId10"/>
+    <p:sldId id="271" r:id="rId11"/>
+    <p:sldId id="272" r:id="rId12"/>
+    <p:sldId id="274" r:id="rId13"/>
+    <p:sldId id="266" r:id="rId14"/>
+    <p:sldId id="275" r:id="rId15"/>
+    <p:sldId id="276" r:id="rId16"/>
   </p:sldIdLst>
   <p:sldSz cx="12192000" cy="6858000"/>
   <p:notesSz cx="6858000" cy="9144000"/>
@@ -217,7 +219,7 @@
             <a:pPr rtl="0"/>
             <a:fld id="{D541C455-0541-42CB-85F2-EF2EB726E407}" type="datetime1">
               <a:rPr lang="fr-FR" smtClean="0"/>
-              <a:t>17/08/2021</a:t>
+              <a:t>19/08/2021</a:t>
             </a:fld>
             <a:endParaRPr lang="en-US" dirty="0"/>
           </a:p>
@@ -387,7 +389,7 @@
             <a:pPr rtl="0"/>
             <a:fld id="{139F4AB6-716B-4E95-AAD2-DB349D9AC9BA}" type="datetime1">
               <a:rPr lang="fr-FR" smtClean="0"/>
-              <a:t>17/08/2021</a:t>
+              <a:t>19/08/2021</a:t>
             </a:fld>
             <a:endParaRPr lang="en-US"/>
           </a:p>
@@ -1132,7 +1134,7 @@
             <a:pPr rtl="0"/>
             <a:fld id="{43B6331D-8BD5-4AF5-97EE-8FB3C79FE924}" type="datetime1">
               <a:rPr lang="fr-FR" smtClean="0"/>
-              <a:t>17/08/2021</a:t>
+              <a:t>19/08/2021</a:t>
             </a:fld>
             <a:endParaRPr lang="en-US" dirty="0"/>
           </a:p>
@@ -1338,7 +1340,7 @@
             <a:pPr rtl="0"/>
             <a:fld id="{C09D1B91-EF9C-42FB-BBE2-597FDE1B14D7}" type="datetime1">
               <a:rPr lang="fr-FR" smtClean="0"/>
-              <a:t>17/08/2021</a:t>
+              <a:t>19/08/2021</a:t>
             </a:fld>
             <a:endParaRPr lang="en-US"/>
           </a:p>
@@ -1526,7 +1528,7 @@
             <a:pPr rtl="0"/>
             <a:fld id="{2F733226-97BF-4FE9-8F44-80542C0EB53C}" type="datetime1">
               <a:rPr lang="fr-FR" smtClean="0"/>
-              <a:t>17/08/2021</a:t>
+              <a:t>19/08/2021</a:t>
             </a:fld>
             <a:endParaRPr lang="en-US"/>
           </a:p>
@@ -1700,7 +1702,7 @@
             <a:pPr rtl="0"/>
             <a:fld id="{802FE938-1586-4780-B61A-DD3B60BAB93C}" type="datetime1">
               <a:rPr lang="fr-FR" smtClean="0"/>
-              <a:t>17/08/2021</a:t>
+              <a:t>19/08/2021</a:t>
             </a:fld>
             <a:endParaRPr lang="en-US"/>
           </a:p>
@@ -2303,7 +2305,7 @@
             <a:pPr rtl="0"/>
             <a:fld id="{57CE27EF-4081-4F92-AC85-8FD255C3955B}" type="datetime1">
               <a:rPr lang="fr-FR" smtClean="0"/>
-              <a:t>17/08/2021</a:t>
+              <a:t>19/08/2021</a:t>
             </a:fld>
             <a:endParaRPr lang="en-US" dirty="0"/>
           </a:p>
@@ -2627,7 +2629,7 @@
             <a:pPr rtl="0"/>
             <a:fld id="{22E52E25-1182-4E86-836C-7D703787597C}" type="datetime1">
               <a:rPr lang="fr-FR" smtClean="0"/>
-              <a:t>17/08/2021</a:t>
+              <a:t>19/08/2021</a:t>
             </a:fld>
             <a:endParaRPr lang="en-US"/>
           </a:p>
@@ -3068,7 +3070,7 @@
             <a:pPr rtl="0"/>
             <a:fld id="{007B49E2-AD49-4B10-A213-CF194D4A25A3}" type="datetime1">
               <a:rPr lang="fr-FR" smtClean="0"/>
-              <a:t>17/08/2021</a:t>
+              <a:t>19/08/2021</a:t>
             </a:fld>
             <a:endParaRPr lang="en-US"/>
           </a:p>
@@ -3190,7 +3192,7 @@
             <a:pPr rtl="0"/>
             <a:fld id="{25FB4F25-64BB-460E-8192-B4AC51BA66FC}" type="datetime1">
               <a:rPr lang="fr-FR" smtClean="0"/>
-              <a:t>17/08/2021</a:t>
+              <a:t>19/08/2021</a:t>
             </a:fld>
             <a:endParaRPr lang="en-US"/>
           </a:p>
@@ -3288,7 +3290,7 @@
             <a:pPr rtl="0"/>
             <a:fld id="{2BD66AC7-6890-4F0E-B000-A39D822B7C00}" type="datetime1">
               <a:rPr lang="fr-FR" smtClean="0"/>
-              <a:t>17/08/2021</a:t>
+              <a:t>19/08/2021</a:t>
             </a:fld>
             <a:endParaRPr lang="en-US"/>
           </a:p>
@@ -3709,7 +3711,7 @@
             <a:pPr rtl="0"/>
             <a:fld id="{F7B0F5FB-B743-44F1-84BA-99C248DB6023}" type="datetime1">
               <a:rPr lang="fr-FR" smtClean="0"/>
-              <a:t>17/08/2021</a:t>
+              <a:t>19/08/2021</a:t>
             </a:fld>
             <a:endParaRPr lang="en-US"/>
           </a:p>
@@ -3974,7 +3976,7 @@
             <a:pPr rtl="0"/>
             <a:fld id="{C80E5F3D-7A62-48B1-A43E-C6091B37429D}" type="datetime1">
               <a:rPr lang="fr-FR" smtClean="0"/>
-              <a:t>17/08/2021</a:t>
+              <a:t>19/08/2021</a:t>
             </a:fld>
             <a:endParaRPr lang="en-US" dirty="0"/>
           </a:p>
@@ -4494,7 +4496,7 @@
             <a:pPr rtl="0"/>
             <a:fld id="{020D9D58-8984-498B-A4DA-61EAC8A72DD8}" type="datetime1">
               <a:rPr lang="fr-FR" smtClean="0"/>
-              <a:t>17/08/2021</a:t>
+              <a:t>19/08/2021</a:t>
             </a:fld>
             <a:endParaRPr lang="en-US" dirty="0"/>
           </a:p>
@@ -5132,31 +5134,21 @@
                   <a:schemeClr val="tx1"/>
                 </a:solidFill>
               </a:rPr>
-              <a:t>S</a:t>
-            </a:r>
-            <a:r>
-              <a:rPr lang="fr" sz="4400" dirty="0">
+              <a:t>Anti-</a:t>
+            </a:r>
+            <a:r>
+              <a:rPr lang="fr-FR" sz="4400" dirty="0" err="1">
                 <a:solidFill>
                   <a:schemeClr val="tx1"/>
                 </a:solidFill>
               </a:rPr>
-              <a:t>ite</a:t>
-            </a:r>
-            <a:br>
-              <a:rPr lang="fr" sz="4400" dirty="0">
-                <a:solidFill>
-                  <a:schemeClr val="tx1"/>
-                </a:solidFill>
-              </a:rPr>
-            </a:br>
-            <a:r>
-              <a:rPr lang="fr" sz="4400" dirty="0">
-                <a:solidFill>
-                  <a:schemeClr val="tx1"/>
-                </a:solidFill>
-              </a:rPr>
-              <a:t>e-commerce</a:t>
-            </a:r>
+              <a:t>covid</a:t>
+            </a:r>
+            <a:endParaRPr lang="fr" sz="4400" dirty="0">
+              <a:solidFill>
+                <a:schemeClr val="tx1"/>
+              </a:solidFill>
+            </a:endParaRPr>
           </a:p>
         </p:txBody>
       </p:sp>
@@ -5194,13 +5186,18 @@
               </a:spcAft>
             </a:pPr>
             <a:r>
-              <a:rPr lang="fr" dirty="0">
+              <a:rPr lang="fr">
                 <a:solidFill>
                   <a:schemeClr val="tx1"/>
                 </a:solidFill>
               </a:rPr>
-              <a:t>Anti-Covid</a:t>
-            </a:r>
+              <a:t>Groupe 1 : Site e-commerce</a:t>
+            </a:r>
+            <a:endParaRPr lang="fr" dirty="0">
+              <a:solidFill>
+                <a:schemeClr val="tx1"/>
+              </a:solidFill>
+            </a:endParaRPr>
           </a:p>
         </p:txBody>
       </p:sp>
@@ -5239,7 +5236,7 @@
           <p:cNvPr id="2" name="Titre 1">
             <a:extLst>
               <a:ext uri="{FF2B5EF4-FFF2-40B4-BE49-F238E27FC236}">
-                <a16:creationId xmlns:a16="http://schemas.microsoft.com/office/drawing/2014/main" id="{5BA5B894-E1FE-4E91-8BEC-45579577C23F}"/>
+                <a16:creationId xmlns:a16="http://schemas.microsoft.com/office/drawing/2014/main" id="{E10007F4-E3BF-4011-B562-80CAD1F15BD2}"/>
               </a:ext>
             </a:extLst>
           </p:cNvPr>
@@ -5252,22 +5249,25 @@
         </p:nvSpPr>
         <p:spPr/>
         <p:txBody>
-          <a:bodyPr>
-            <a:normAutofit/>
-          </a:bodyPr>
+          <a:bodyPr/>
           <a:lstStyle/>
           <a:p>
             <a:r>
               <a:rPr lang="fr-FR" dirty="0"/>
-              <a:t>Sprint 2 :</a:t>
+              <a:t>Sprint 3 :</a:t>
             </a:r>
             <a:br>
               <a:rPr lang="fr-FR" dirty="0"/>
             </a:br>
             <a:r>
               <a:rPr lang="fr-FR" dirty="0"/>
-              <a:t>e-commerce</a:t>
-            </a:r>
+              <a:t>articles </a:t>
+            </a:r>
+            <a:r>
+              <a:rPr lang="fr-FR" dirty="0" err="1"/>
+              <a:t>covid</a:t>
+            </a:r>
+            <a:endParaRPr lang="fr-FR" dirty="0"/>
           </a:p>
         </p:txBody>
       </p:sp>
@@ -5276,7 +5276,7 @@
           <p:cNvPr id="4" name="Espace réservé de la date 3">
             <a:extLst>
               <a:ext uri="{FF2B5EF4-FFF2-40B4-BE49-F238E27FC236}">
-                <a16:creationId xmlns:a16="http://schemas.microsoft.com/office/drawing/2014/main" id="{014183DE-9821-4688-9E3D-A6A00E9C308F}"/>
+                <a16:creationId xmlns:a16="http://schemas.microsoft.com/office/drawing/2014/main" id="{BAFB93FB-0166-4841-A59D-3B5ABA251D6A}"/>
               </a:ext>
             </a:extLst>
           </p:cNvPr>
@@ -5295,7 +5295,7 @@
             <a:pPr rtl="0"/>
             <a:fld id="{43B6331D-8BD5-4AF5-97EE-8FB3C79FE924}" type="datetime1">
               <a:rPr lang="fr-FR" smtClean="0"/>
-              <a:t>17/08/2021</a:t>
+              <a:t>19/08/2021</a:t>
             </a:fld>
             <a:endParaRPr lang="en-US" dirty="0"/>
           </a:p>
@@ -5304,7 +5304,7 @@
     </p:spTree>
     <p:extLst>
       <p:ext uri="{BB962C8B-B14F-4D97-AF65-F5344CB8AC3E}">
-        <p14:creationId xmlns:p14="http://schemas.microsoft.com/office/powerpoint/2010/main" val="3496279981"/>
+        <p14:creationId xmlns:p14="http://schemas.microsoft.com/office/powerpoint/2010/main" val="3703588748"/>
       </p:ext>
     </p:extLst>
   </p:cSld>
@@ -5380,7 +5380,10 @@
           <a:bodyPr/>
           <a:lstStyle/>
           <a:p>
-            <a:endParaRPr lang="fr-FR"/>
+            <a:r>
+              <a:rPr lang="fr-FR" dirty="0"/>
+              <a:t>Mercredi 18 : Après midi</a:t>
+            </a:r>
           </a:p>
         </p:txBody>
       </p:sp>
@@ -5405,57 +5408,38 @@
           <a:bodyPr/>
           <a:lstStyle/>
           <a:p>
-            <a:endParaRPr lang="fr-FR" dirty="0"/>
-          </a:p>
-        </p:txBody>
-      </p:sp>
-      <p:sp>
-        <p:nvSpPr>
-          <p:cNvPr id="5" name="Espace réservé du texte 4">
-            <a:extLst>
-              <a:ext uri="{FF2B5EF4-FFF2-40B4-BE49-F238E27FC236}">
-                <a16:creationId xmlns:a16="http://schemas.microsoft.com/office/drawing/2014/main" id="{86B51AFC-79C8-4019-AE60-171EF6D22851}"/>
-              </a:ext>
-            </a:extLst>
-          </p:cNvPr>
-          <p:cNvSpPr>
-            <a:spLocks noGrp="1"/>
-          </p:cNvSpPr>
-          <p:nvPr>
-            <p:ph type="body" sz="quarter" idx="3"/>
-          </p:nvPr>
-        </p:nvSpPr>
-        <p:spPr/>
-        <p:txBody>
-          <a:bodyPr/>
-          <a:lstStyle/>
-          <a:p>
-            <a:endParaRPr lang="fr-FR"/>
-          </a:p>
-        </p:txBody>
-      </p:sp>
-      <p:sp>
-        <p:nvSpPr>
-          <p:cNvPr id="6" name="Espace réservé du contenu 5">
-            <a:extLst>
-              <a:ext uri="{FF2B5EF4-FFF2-40B4-BE49-F238E27FC236}">
-                <a16:creationId xmlns:a16="http://schemas.microsoft.com/office/drawing/2014/main" id="{E1542CC6-603D-4A62-B063-6480807C61EF}"/>
-              </a:ext>
-            </a:extLst>
-          </p:cNvPr>
-          <p:cNvSpPr>
-            <a:spLocks noGrp="1"/>
-          </p:cNvSpPr>
-          <p:nvPr>
-            <p:ph sz="quarter" idx="4"/>
-          </p:nvPr>
-        </p:nvSpPr>
-        <p:spPr/>
-        <p:txBody>
-          <a:bodyPr/>
-          <a:lstStyle/>
-          <a:p>
-            <a:endParaRPr lang="fr-FR"/>
+            <a:r>
+              <a:rPr lang="fr-FR" dirty="0"/>
+              <a:t>Benjamin : Mise en place du système des articles</a:t>
+            </a:r>
+          </a:p>
+          <a:p>
+            <a:r>
+              <a:rPr lang="fr-FR" dirty="0"/>
+              <a:t>Chaimae : Adaptation du </a:t>
+            </a:r>
+            <a:r>
+              <a:rPr lang="fr-FR" dirty="0" err="1"/>
+              <a:t>template</a:t>
+            </a:r>
+            <a:r>
+              <a:rPr lang="fr-FR" dirty="0"/>
+              <a:t> pour les articles</a:t>
+            </a:r>
+          </a:p>
+          <a:p>
+            <a:r>
+              <a:rPr lang="fr-FR" dirty="0"/>
+              <a:t>Mohamed et Fatima : Modification de la </a:t>
+            </a:r>
+            <a:r>
+              <a:rPr lang="fr-FR" dirty="0" err="1"/>
+              <a:t>bdd</a:t>
+            </a:r>
+            <a:r>
+              <a:rPr lang="fr-FR" dirty="0"/>
+              <a:t> pour les articles</a:t>
+            </a:r>
           </a:p>
         </p:txBody>
       </p:sp>
@@ -5483,7 +5467,7 @@
             <a:pPr rtl="0"/>
             <a:fld id="{007B49E2-AD49-4B10-A213-CF194D4A25A3}" type="datetime1">
               <a:rPr lang="fr-FR" smtClean="0"/>
-              <a:t>17/08/2021</a:t>
+              <a:t>19/08/2021</a:t>
             </a:fld>
             <a:endParaRPr lang="en-US"/>
           </a:p>
@@ -5492,7 +5476,7 @@
     </p:spTree>
     <p:extLst>
       <p:ext uri="{BB962C8B-B14F-4D97-AF65-F5344CB8AC3E}">
-        <p14:creationId xmlns:p14="http://schemas.microsoft.com/office/powerpoint/2010/main" val="46181368"/>
+        <p14:creationId xmlns:p14="http://schemas.microsoft.com/office/powerpoint/2010/main" val="716640951"/>
       </p:ext>
     </p:extLst>
   </p:cSld>
@@ -5524,7 +5508,7 @@
           <p:cNvPr id="2" name="Titre 1">
             <a:extLst>
               <a:ext uri="{FF2B5EF4-FFF2-40B4-BE49-F238E27FC236}">
-                <a16:creationId xmlns:a16="http://schemas.microsoft.com/office/drawing/2014/main" id="{138BF542-1475-4F67-960B-AD7AC244D790}"/>
+                <a16:creationId xmlns:a16="http://schemas.microsoft.com/office/drawing/2014/main" id="{FAEA57C5-6C59-4747-A69F-53D3AE42207E}"/>
               </a:ext>
             </a:extLst>
           </p:cNvPr>
@@ -5542,22 +5526,24 @@
           <a:p>
             <a:r>
               <a:rPr lang="fr-FR" dirty="0"/>
-              <a:t>Sprint </a:t>
-            </a:r>
-            <a:r>
-              <a:rPr lang="fr-FR" dirty="0" err="1"/>
-              <a:t>Review</a:t>
-            </a:r>
-            <a:endParaRPr lang="fr-FR" dirty="0"/>
-          </a:p>
-        </p:txBody>
-      </p:sp>
-      <p:sp>
-        <p:nvSpPr>
-          <p:cNvPr id="3" name="Espace réservé du contenu 2">
+              <a:t>SPRINT 4 : </a:t>
+            </a:r>
+            <a:br>
+              <a:rPr lang="fr-FR" dirty="0"/>
+            </a:br>
+            <a:r>
+              <a:rPr lang="fr-FR" dirty="0"/>
+              <a:t>paiement et langue</a:t>
+            </a:r>
+          </a:p>
+        </p:txBody>
+      </p:sp>
+      <p:sp>
+        <p:nvSpPr>
+          <p:cNvPr id="4" name="Espace réservé de la date 3">
             <a:extLst>
               <a:ext uri="{FF2B5EF4-FFF2-40B4-BE49-F238E27FC236}">
-                <a16:creationId xmlns:a16="http://schemas.microsoft.com/office/drawing/2014/main" id="{C81E2F24-0AFE-495E-88D9-C4BE720FEAE5}"/>
+                <a16:creationId xmlns:a16="http://schemas.microsoft.com/office/drawing/2014/main" id="{20F86E29-E69F-46D5-9BCF-FF4B37C9E27A}"/>
               </a:ext>
             </a:extLst>
           </p:cNvPr>
@@ -5565,7 +5551,7 @@
             <a:spLocks noGrp="1"/>
           </p:cNvSpPr>
           <p:nvPr>
-            <p:ph idx="1"/>
+            <p:ph type="dt" sz="half" idx="10"/>
           </p:nvPr>
         </p:nvSpPr>
         <p:spPr/>
@@ -5573,78 +5559,19 @@
           <a:bodyPr/>
           <a:lstStyle/>
           <a:p>
-            <a:r>
-              <a:rPr lang="fr-FR" dirty="0"/>
-              <a:t>Amélioration : </a:t>
-            </a:r>
-          </a:p>
-          <a:p>
-            <a:pPr lvl="1"/>
-            <a:r>
-              <a:rPr lang="fr-FR" dirty="0"/>
-              <a:t>Utilisation du module « </a:t>
-            </a:r>
-            <a:r>
-              <a:rPr lang="fr-FR" dirty="0" err="1"/>
-              <a:t>Stripe</a:t>
-            </a:r>
-            <a:r>
-              <a:rPr lang="fr-FR" dirty="0"/>
-              <a:t> </a:t>
-            </a:r>
-            <a:r>
-              <a:rPr lang="fr-FR" dirty="0" err="1"/>
-              <a:t>Payment</a:t>
-            </a:r>
-            <a:r>
-              <a:rPr lang="fr-FR" dirty="0"/>
-              <a:t> </a:t>
-            </a:r>
-            <a:r>
-              <a:rPr lang="fr-FR" dirty="0" err="1"/>
-              <a:t>Integration</a:t>
-            </a:r>
-            <a:r>
-              <a:rPr lang="fr-FR" dirty="0"/>
-              <a:t> » pour le paiement</a:t>
-            </a:r>
-          </a:p>
-        </p:txBody>
-      </p:sp>
-      <p:sp>
-        <p:nvSpPr>
-          <p:cNvPr id="4" name="Espace réservé de la date 3">
-            <a:extLst>
-              <a:ext uri="{FF2B5EF4-FFF2-40B4-BE49-F238E27FC236}">
-                <a16:creationId xmlns:a16="http://schemas.microsoft.com/office/drawing/2014/main" id="{7F6B6DF8-1348-4226-A446-7F3B64E68843}"/>
-              </a:ext>
-            </a:extLst>
-          </p:cNvPr>
-          <p:cNvSpPr>
-            <a:spLocks noGrp="1"/>
-          </p:cNvSpPr>
-          <p:nvPr>
-            <p:ph type="dt" sz="half" idx="10"/>
-          </p:nvPr>
-        </p:nvSpPr>
-        <p:spPr/>
-        <p:txBody>
-          <a:bodyPr/>
-          <a:lstStyle/>
-          <a:p>
             <a:pPr rtl="0"/>
-            <a:fld id="{802FE938-1586-4780-B61A-DD3B60BAB93C}" type="datetime1">
+            <a:fld id="{57CE27EF-4081-4F92-AC85-8FD255C3955B}" type="datetime1">
               <a:rPr lang="fr-FR" smtClean="0"/>
-              <a:t>17/08/2021</a:t>
+              <a:t>19/08/2021</a:t>
             </a:fld>
-            <a:endParaRPr lang="en-US"/>
+            <a:endParaRPr lang="en-US" dirty="0"/>
           </a:p>
         </p:txBody>
       </p:sp>
     </p:spTree>
     <p:extLst>
       <p:ext uri="{BB962C8B-B14F-4D97-AF65-F5344CB8AC3E}">
-        <p14:creationId xmlns:p14="http://schemas.microsoft.com/office/powerpoint/2010/main" val="2947631941"/>
+        <p14:creationId xmlns:p14="http://schemas.microsoft.com/office/powerpoint/2010/main" val="3902449033"/>
       </p:ext>
     </p:extLst>
   </p:cSld>
@@ -5676,7 +5603,7 @@
           <p:cNvPr id="2" name="Titre 1">
             <a:extLst>
               <a:ext uri="{FF2B5EF4-FFF2-40B4-BE49-F238E27FC236}">
-                <a16:creationId xmlns:a16="http://schemas.microsoft.com/office/drawing/2014/main" id="{81FE283B-3A92-4B5B-B199-1FE77176895C}"/>
+                <a16:creationId xmlns:a16="http://schemas.microsoft.com/office/drawing/2014/main" id="{138BF542-1475-4F67-960B-AD7AC244D790}"/>
               </a:ext>
             </a:extLst>
           </p:cNvPr>
@@ -5687,23 +5614,18 @@
             <p:ph type="title"/>
           </p:nvPr>
         </p:nvSpPr>
-        <p:spPr>
-          <a:xfrm>
-            <a:off x="1066800" y="558704"/>
-            <a:ext cx="10058400" cy="1371600"/>
-          </a:xfrm>
-        </p:spPr>
+        <p:spPr/>
         <p:txBody>
           <a:bodyPr/>
           <a:lstStyle/>
           <a:p>
             <a:r>
               <a:rPr lang="fr-FR" dirty="0"/>
-              <a:t>Product </a:t>
-            </a:r>
-            <a:r>
-              <a:rPr lang="fr-FR"/>
-              <a:t>Backlog</a:t>
+              <a:t>Sprint </a:t>
+            </a:r>
+            <a:r>
+              <a:rPr lang="fr-FR" dirty="0" err="1"/>
+              <a:t>Review</a:t>
             </a:r>
             <a:endParaRPr lang="fr-FR" dirty="0"/>
           </a:p>
@@ -5714,7 +5636,7 @@
           <p:cNvPr id="3" name="Espace réservé du contenu 2">
             <a:extLst>
               <a:ext uri="{FF2B5EF4-FFF2-40B4-BE49-F238E27FC236}">
-                <a16:creationId xmlns:a16="http://schemas.microsoft.com/office/drawing/2014/main" id="{92FCDD57-2B50-4222-9C8E-59458B52470F}"/>
+                <a16:creationId xmlns:a16="http://schemas.microsoft.com/office/drawing/2014/main" id="{C81E2F24-0AFE-495E-88D9-C4BE720FEAE5}"/>
               </a:ext>
             </a:extLst>
           </p:cNvPr>
@@ -5730,7 +5652,55 @@
           <a:bodyPr/>
           <a:lstStyle/>
           <a:p>
-            <a:endParaRPr lang="fr-FR" dirty="0"/>
+            <a:r>
+              <a:rPr lang="fr-FR" dirty="0"/>
+              <a:t>Amélioration : </a:t>
+            </a:r>
+          </a:p>
+          <a:p>
+            <a:pPr lvl="1"/>
+            <a:r>
+              <a:rPr lang="fr-FR" dirty="0"/>
+              <a:t>Utilisation du module « </a:t>
+            </a:r>
+            <a:r>
+              <a:rPr lang="fr-FR" dirty="0" err="1"/>
+              <a:t>Stripe</a:t>
+            </a:r>
+            <a:r>
+              <a:rPr lang="fr-FR" dirty="0"/>
+              <a:t> </a:t>
+            </a:r>
+            <a:r>
+              <a:rPr lang="fr-FR" dirty="0" err="1"/>
+              <a:t>Payment</a:t>
+            </a:r>
+            <a:r>
+              <a:rPr lang="fr-FR" dirty="0"/>
+              <a:t> </a:t>
+            </a:r>
+            <a:r>
+              <a:rPr lang="fr-FR" dirty="0" err="1"/>
+              <a:t>Integration</a:t>
+            </a:r>
+            <a:r>
+              <a:rPr lang="fr-FR" dirty="0"/>
+              <a:t> » pour le paiement</a:t>
+            </a:r>
+          </a:p>
+          <a:p>
+            <a:pPr lvl="1"/>
+            <a:r>
+              <a:rPr lang="fr-FR" dirty="0"/>
+              <a:t>Ajout d’une fonctionnalité multi lange permettant d’avoir une version anglaise du site</a:t>
+            </a:r>
+          </a:p>
+          <a:p>
+            <a:pPr lvl="1"/>
+            <a:r>
+              <a:rPr lang="fr-FR" dirty="0"/>
+              <a:t>Fonctionnalité permettant d’envoyer des email pour la confirmation de dons et d’achats</a:t>
+            </a:r>
           </a:p>
         </p:txBody>
       </p:sp>
@@ -5739,7 +5709,7 @@
           <p:cNvPr id="4" name="Espace réservé de la date 3">
             <a:extLst>
               <a:ext uri="{FF2B5EF4-FFF2-40B4-BE49-F238E27FC236}">
-                <a16:creationId xmlns:a16="http://schemas.microsoft.com/office/drawing/2014/main" id="{355D3246-325C-4350-8278-C7E4DEFF3DCB}"/>
+                <a16:creationId xmlns:a16="http://schemas.microsoft.com/office/drawing/2014/main" id="{7F6B6DF8-1348-4226-A446-7F3B64E68843}"/>
               </a:ext>
             </a:extLst>
           </p:cNvPr>
@@ -5758,7 +5728,7 @@
             <a:pPr rtl="0"/>
             <a:fld id="{802FE938-1586-4780-B61A-DD3B60BAB93C}" type="datetime1">
               <a:rPr lang="fr-FR" smtClean="0"/>
-              <a:t>17/08/2021</a:t>
+              <a:t>19/08/2021</a:t>
             </a:fld>
             <a:endParaRPr lang="en-US"/>
           </a:p>
@@ -5767,7 +5737,244 @@
     </p:spTree>
     <p:extLst>
       <p:ext uri="{BB962C8B-B14F-4D97-AF65-F5344CB8AC3E}">
-        <p14:creationId xmlns:p14="http://schemas.microsoft.com/office/powerpoint/2010/main" val="1823414175"/>
+        <p14:creationId xmlns:p14="http://schemas.microsoft.com/office/powerpoint/2010/main" val="2947631941"/>
+      </p:ext>
+    </p:extLst>
+  </p:cSld>
+  <p:clrMapOvr>
+    <a:masterClrMapping/>
+  </p:clrMapOvr>
+</p:sld>
+</file>
+
+<file path=ppt/slides/slide14.xml><?xml version="1.0" encoding="utf-8"?>
+<p:sld xmlns:a="http://schemas.openxmlformats.org/drawingml/2006/main" xmlns:r="http://schemas.openxmlformats.org/officeDocument/2006/relationships" xmlns:p="http://schemas.openxmlformats.org/presentationml/2006/main">
+  <p:cSld>
+    <p:spTree>
+      <p:nvGrpSpPr>
+        <p:cNvPr id="1" name=""/>
+        <p:cNvGrpSpPr/>
+        <p:nvPr/>
+      </p:nvGrpSpPr>
+      <p:grpSpPr>
+        <a:xfrm>
+          <a:off x="0" y="0"/>
+          <a:ext cx="0" cy="0"/>
+          <a:chOff x="0" y="0"/>
+          <a:chExt cx="0" cy="0"/>
+        </a:xfrm>
+      </p:grpSpPr>
+      <p:sp>
+        <p:nvSpPr>
+          <p:cNvPr id="2" name="Titre 1">
+            <a:extLst>
+              <a:ext uri="{FF2B5EF4-FFF2-40B4-BE49-F238E27FC236}">
+                <a16:creationId xmlns:a16="http://schemas.microsoft.com/office/drawing/2014/main" id="{D8806AE6-1390-4F49-8907-9016DF463CD0}"/>
+              </a:ext>
+            </a:extLst>
+          </p:cNvPr>
+          <p:cNvSpPr>
+            <a:spLocks noGrp="1"/>
+          </p:cNvSpPr>
+          <p:nvPr>
+            <p:ph type="title"/>
+          </p:nvPr>
+        </p:nvSpPr>
+        <p:spPr/>
+        <p:txBody>
+          <a:bodyPr/>
+          <a:lstStyle/>
+          <a:p>
+            <a:r>
+              <a:rPr lang="fr-FR" dirty="0"/>
+              <a:t>Sprint 5 :</a:t>
+            </a:r>
+            <a:br>
+              <a:rPr lang="fr-FR" dirty="0"/>
+            </a:br>
+            <a:r>
+              <a:rPr lang="fr-FR" dirty="0"/>
+              <a:t>filtre et recherche</a:t>
+            </a:r>
+          </a:p>
+        </p:txBody>
+      </p:sp>
+      <p:sp>
+        <p:nvSpPr>
+          <p:cNvPr id="4" name="Espace réservé de la date 3">
+            <a:extLst>
+              <a:ext uri="{FF2B5EF4-FFF2-40B4-BE49-F238E27FC236}">
+                <a16:creationId xmlns:a16="http://schemas.microsoft.com/office/drawing/2014/main" id="{0294815A-BE10-4D4E-8600-DD75DB442409}"/>
+              </a:ext>
+            </a:extLst>
+          </p:cNvPr>
+          <p:cNvSpPr>
+            <a:spLocks noGrp="1"/>
+          </p:cNvSpPr>
+          <p:nvPr>
+            <p:ph type="dt" sz="half" idx="10"/>
+          </p:nvPr>
+        </p:nvSpPr>
+        <p:spPr/>
+        <p:txBody>
+          <a:bodyPr/>
+          <a:lstStyle/>
+          <a:p>
+            <a:pPr rtl="0"/>
+            <a:fld id="{57CE27EF-4081-4F92-AC85-8FD255C3955B}" type="datetime1">
+              <a:rPr lang="fr-FR" smtClean="0"/>
+              <a:t>19/08/2021</a:t>
+            </a:fld>
+            <a:endParaRPr lang="en-US" dirty="0"/>
+          </a:p>
+        </p:txBody>
+      </p:sp>
+    </p:spTree>
+    <p:extLst>
+      <p:ext uri="{BB962C8B-B14F-4D97-AF65-F5344CB8AC3E}">
+        <p14:creationId xmlns:p14="http://schemas.microsoft.com/office/powerpoint/2010/main" val="780320847"/>
+      </p:ext>
+    </p:extLst>
+  </p:cSld>
+  <p:clrMapOvr>
+    <a:masterClrMapping/>
+  </p:clrMapOvr>
+</p:sld>
+</file>
+
+<file path=ppt/slides/slide15.xml><?xml version="1.0" encoding="utf-8"?>
+<p:sld xmlns:a="http://schemas.openxmlformats.org/drawingml/2006/main" xmlns:r="http://schemas.openxmlformats.org/officeDocument/2006/relationships" xmlns:p="http://schemas.openxmlformats.org/presentationml/2006/main">
+  <p:cSld>
+    <p:spTree>
+      <p:nvGrpSpPr>
+        <p:cNvPr id="1" name=""/>
+        <p:cNvGrpSpPr/>
+        <p:nvPr/>
+      </p:nvGrpSpPr>
+      <p:grpSpPr>
+        <a:xfrm>
+          <a:off x="0" y="0"/>
+          <a:ext cx="0" cy="0"/>
+          <a:chOff x="0" y="0"/>
+          <a:chExt cx="0" cy="0"/>
+        </a:xfrm>
+      </p:grpSpPr>
+      <p:sp>
+        <p:nvSpPr>
+          <p:cNvPr id="2" name="Titre 1">
+            <a:extLst>
+              <a:ext uri="{FF2B5EF4-FFF2-40B4-BE49-F238E27FC236}">
+                <a16:creationId xmlns:a16="http://schemas.microsoft.com/office/drawing/2014/main" id="{138BF542-1475-4F67-960B-AD7AC244D790}"/>
+              </a:ext>
+            </a:extLst>
+          </p:cNvPr>
+          <p:cNvSpPr>
+            <a:spLocks noGrp="1"/>
+          </p:cNvSpPr>
+          <p:nvPr>
+            <p:ph type="title"/>
+          </p:nvPr>
+        </p:nvSpPr>
+        <p:spPr/>
+        <p:txBody>
+          <a:bodyPr/>
+          <a:lstStyle/>
+          <a:p>
+            <a:r>
+              <a:rPr lang="fr-FR" dirty="0"/>
+              <a:t>Sprint </a:t>
+            </a:r>
+            <a:r>
+              <a:rPr lang="fr-FR" dirty="0" err="1"/>
+              <a:t>Review</a:t>
+            </a:r>
+            <a:endParaRPr lang="fr-FR" dirty="0"/>
+          </a:p>
+        </p:txBody>
+      </p:sp>
+      <p:sp>
+        <p:nvSpPr>
+          <p:cNvPr id="3" name="Espace réservé du contenu 2">
+            <a:extLst>
+              <a:ext uri="{FF2B5EF4-FFF2-40B4-BE49-F238E27FC236}">
+                <a16:creationId xmlns:a16="http://schemas.microsoft.com/office/drawing/2014/main" id="{C81E2F24-0AFE-495E-88D9-C4BE720FEAE5}"/>
+              </a:ext>
+            </a:extLst>
+          </p:cNvPr>
+          <p:cNvSpPr>
+            <a:spLocks noGrp="1"/>
+          </p:cNvSpPr>
+          <p:nvPr>
+            <p:ph idx="1"/>
+          </p:nvPr>
+        </p:nvSpPr>
+        <p:spPr/>
+        <p:txBody>
+          <a:bodyPr/>
+          <a:lstStyle/>
+          <a:p>
+            <a:r>
+              <a:rPr lang="fr-FR" dirty="0"/>
+              <a:t>Amélioration : </a:t>
+            </a:r>
+          </a:p>
+          <a:p>
+            <a:pPr lvl="1"/>
+            <a:r>
+              <a:rPr lang="fr-FR" dirty="0"/>
+              <a:t>Filtre des produits (ordre alphabétique, nouveau produits, popularité)</a:t>
+            </a:r>
+          </a:p>
+          <a:p>
+            <a:pPr lvl="1"/>
+            <a:r>
+              <a:rPr lang="fr-FR" dirty="0"/>
+              <a:t>Barre de recherche de produit</a:t>
+            </a:r>
+          </a:p>
+          <a:p>
+            <a:pPr lvl="1"/>
+            <a:r>
+              <a:rPr lang="fr-FR" dirty="0"/>
+              <a:t>Interface administrateur permettant l’ajout d’article et de produit sur le site</a:t>
+            </a:r>
+          </a:p>
+        </p:txBody>
+      </p:sp>
+      <p:sp>
+        <p:nvSpPr>
+          <p:cNvPr id="4" name="Espace réservé de la date 3">
+            <a:extLst>
+              <a:ext uri="{FF2B5EF4-FFF2-40B4-BE49-F238E27FC236}">
+                <a16:creationId xmlns:a16="http://schemas.microsoft.com/office/drawing/2014/main" id="{7F6B6DF8-1348-4226-A446-7F3B64E68843}"/>
+              </a:ext>
+            </a:extLst>
+          </p:cNvPr>
+          <p:cNvSpPr>
+            <a:spLocks noGrp="1"/>
+          </p:cNvSpPr>
+          <p:nvPr>
+            <p:ph type="dt" sz="half" idx="10"/>
+          </p:nvPr>
+        </p:nvSpPr>
+        <p:spPr/>
+        <p:txBody>
+          <a:bodyPr/>
+          <a:lstStyle/>
+          <a:p>
+            <a:pPr rtl="0"/>
+            <a:fld id="{802FE938-1586-4780-B61A-DD3B60BAB93C}" type="datetime1">
+              <a:rPr lang="fr-FR" smtClean="0"/>
+              <a:t>19/08/2021</a:t>
+            </a:fld>
+            <a:endParaRPr lang="en-US"/>
+          </a:p>
+        </p:txBody>
+      </p:sp>
+    </p:spTree>
+    <p:extLst>
+      <p:ext uri="{BB962C8B-B14F-4D97-AF65-F5344CB8AC3E}">
+        <p14:creationId xmlns:p14="http://schemas.microsoft.com/office/powerpoint/2010/main" val="2709400386"/>
       </p:ext>
     </p:extLst>
   </p:cSld>
@@ -5875,7 +6082,20 @@
             </a:r>
             <a:r>
               <a:rPr lang="fr-FR" dirty="0"/>
-              <a:t>.</a:t>
+              <a:t>, publier des articles en rapport avec l’actualité</a:t>
+            </a:r>
+          </a:p>
+          <a:p>
+            <a:pPr marL="0" indent="0">
+              <a:buNone/>
+            </a:pPr>
+            <a:r>
+              <a:rPr lang="fr-FR" dirty="0" err="1"/>
+              <a:t>Covid</a:t>
+            </a:r>
+            <a:r>
+              <a:rPr lang="fr-FR" dirty="0"/>
+              <a:t> et effectuer des dons.</a:t>
             </a:r>
           </a:p>
         </p:txBody>
@@ -5904,7 +6124,7 @@
             <a:pPr rtl="0"/>
             <a:fld id="{802FE938-1586-4780-B61A-DD3B60BAB93C}" type="datetime1">
               <a:rPr lang="fr-FR" smtClean="0"/>
-              <a:t>17/08/2021</a:t>
+              <a:t>19/08/2021</a:t>
             </a:fld>
             <a:endParaRPr lang="en-US"/>
           </a:p>
@@ -6193,7 +6413,7 @@
             <a:pPr rtl="0"/>
             <a:fld id="{22E52E25-1182-4E86-836C-7D703787597C}" type="datetime1">
               <a:rPr lang="fr-FR" smtClean="0"/>
-              <a:t>17/08/2021</a:t>
+              <a:t>19/08/2021</a:t>
             </a:fld>
             <a:endParaRPr lang="en-US"/>
           </a:p>
@@ -6303,7 +6523,12 @@
             <p:ph type="body" idx="1"/>
           </p:nvPr>
         </p:nvSpPr>
-        <p:spPr/>
+        <p:spPr>
+          <a:xfrm>
+            <a:off x="1069848" y="2074334"/>
+            <a:ext cx="2472342" cy="640080"/>
+          </a:xfrm>
+        </p:spPr>
         <p:txBody>
           <a:bodyPr/>
           <a:lstStyle/>
@@ -6331,7 +6556,12 @@
             <p:ph sz="half" idx="2"/>
           </p:nvPr>
         </p:nvSpPr>
-        <p:spPr/>
+        <p:spPr>
+          <a:xfrm>
+            <a:off x="1069848" y="2792472"/>
+            <a:ext cx="2836327" cy="3163825"/>
+          </a:xfrm>
+        </p:spPr>
         <p:txBody>
           <a:bodyPr/>
           <a:lstStyle/>
@@ -6381,7 +6611,12 @@
             <p:ph type="body" sz="quarter" idx="3"/>
           </p:nvPr>
         </p:nvSpPr>
-        <p:spPr/>
+        <p:spPr>
+          <a:xfrm>
+            <a:off x="4168273" y="2097829"/>
+            <a:ext cx="3794997" cy="640080"/>
+          </a:xfrm>
+        </p:spPr>
         <p:txBody>
           <a:bodyPr/>
           <a:lstStyle/>
@@ -6409,14 +6644,19 @@
             <p:ph sz="quarter" idx="4"/>
           </p:nvPr>
         </p:nvSpPr>
-        <p:spPr/>
+        <p:spPr>
+          <a:xfrm>
+            <a:off x="4168273" y="2792472"/>
+            <a:ext cx="3587073" cy="3164509"/>
+          </a:xfrm>
+        </p:spPr>
         <p:txBody>
           <a:bodyPr/>
           <a:lstStyle/>
           <a:p>
             <a:r>
               <a:rPr lang="fr-FR" dirty="0"/>
-              <a:t>Durée : 1,5 jours</a:t>
+              <a:t>Durée : 1 jours</a:t>
             </a:r>
           </a:p>
           <a:p>
@@ -6459,9 +6699,545 @@
             <a:pPr rtl="0"/>
             <a:fld id="{007B49E2-AD49-4B10-A213-CF194D4A25A3}" type="datetime1">
               <a:rPr lang="fr-FR" smtClean="0"/>
-              <a:t>17/08/2021</a:t>
+              <a:t>19/08/2021</a:t>
             </a:fld>
             <a:endParaRPr lang="en-US"/>
+          </a:p>
+        </p:txBody>
+      </p:sp>
+      <p:sp>
+        <p:nvSpPr>
+          <p:cNvPr id="9" name="Espace réservé du texte 4">
+            <a:extLst>
+              <a:ext uri="{FF2B5EF4-FFF2-40B4-BE49-F238E27FC236}">
+                <a16:creationId xmlns:a16="http://schemas.microsoft.com/office/drawing/2014/main" id="{30B9DA27-6903-4807-8AFD-94685DDD9797}"/>
+              </a:ext>
+            </a:extLst>
+          </p:cNvPr>
+          <p:cNvSpPr txBox="1">
+            <a:spLocks/>
+          </p:cNvSpPr>
+          <p:nvPr/>
+        </p:nvSpPr>
+        <p:spPr>
+          <a:xfrm>
+            <a:off x="8356302" y="2092254"/>
+            <a:ext cx="2524366" cy="640080"/>
+          </a:xfrm>
+          <a:prstGeom prst="rect">
+            <a:avLst/>
+          </a:prstGeom>
+        </p:spPr>
+        <p:txBody>
+          <a:bodyPr vert="horz" lIns="91440" tIns="45720" rIns="91440" bIns="45720" rtlCol="0" anchor="ctr">
+            <a:normAutofit/>
+          </a:bodyPr>
+          <a:lstStyle>
+            <a:lvl1pPr marL="0" indent="0" algn="l" defTabSz="914400" rtl="0" eaLnBrk="1" latinLnBrk="0" hangingPunct="1">
+              <a:lnSpc>
+                <a:spcPct val="110000"/>
+              </a:lnSpc>
+              <a:spcBef>
+                <a:spcPts val="0"/>
+              </a:spcBef>
+              <a:spcAft>
+                <a:spcPts val="0"/>
+              </a:spcAft>
+              <a:buClr>
+                <a:schemeClr val="tx1">
+                  <a:lumMod val="85000"/>
+                  <a:lumOff val="15000"/>
+                </a:schemeClr>
+              </a:buClr>
+              <a:buFont typeface="Garamond" pitchFamily="18" charset="0"/>
+              <a:buNone/>
+              <a:defRPr sz="1900" b="1" kern="1200">
+                <a:solidFill>
+                  <a:schemeClr val="tx1"/>
+                </a:solidFill>
+                <a:latin typeface="+mn-lt"/>
+                <a:ea typeface="+mn-ea"/>
+                <a:cs typeface="+mn-cs"/>
+              </a:defRPr>
+            </a:lvl1pPr>
+            <a:lvl2pPr marL="457200" indent="0" algn="l" defTabSz="914400" rtl="0" eaLnBrk="1" latinLnBrk="0" hangingPunct="1">
+              <a:lnSpc>
+                <a:spcPct val="100000"/>
+              </a:lnSpc>
+              <a:spcBef>
+                <a:spcPts val="500"/>
+              </a:spcBef>
+              <a:buClr>
+                <a:schemeClr val="tx1">
+                  <a:lumMod val="85000"/>
+                  <a:lumOff val="15000"/>
+                </a:schemeClr>
+              </a:buClr>
+              <a:buFont typeface="Garamond" pitchFamily="18" charset="0"/>
+              <a:buNone/>
+              <a:defRPr sz="1800" b="1" kern="1200">
+                <a:solidFill>
+                  <a:schemeClr val="tx1"/>
+                </a:solidFill>
+                <a:latin typeface="+mn-lt"/>
+                <a:ea typeface="+mn-ea"/>
+                <a:cs typeface="+mn-cs"/>
+              </a:defRPr>
+            </a:lvl2pPr>
+            <a:lvl3pPr marL="914400" indent="0" algn="l" defTabSz="914400" rtl="0" eaLnBrk="1" latinLnBrk="0" hangingPunct="1">
+              <a:lnSpc>
+                <a:spcPct val="100000"/>
+              </a:lnSpc>
+              <a:spcBef>
+                <a:spcPts val="500"/>
+              </a:spcBef>
+              <a:buClr>
+                <a:schemeClr val="tx1">
+                  <a:lumMod val="85000"/>
+                  <a:lumOff val="15000"/>
+                </a:schemeClr>
+              </a:buClr>
+              <a:buFont typeface="Garamond" pitchFamily="18" charset="0"/>
+              <a:buNone/>
+              <a:defRPr sz="1800" b="1" kern="1200">
+                <a:solidFill>
+                  <a:schemeClr val="tx1"/>
+                </a:solidFill>
+                <a:latin typeface="+mn-lt"/>
+                <a:ea typeface="+mn-ea"/>
+                <a:cs typeface="+mn-cs"/>
+              </a:defRPr>
+            </a:lvl3pPr>
+            <a:lvl4pPr marL="1371600" indent="0" algn="l" defTabSz="914400" rtl="0" eaLnBrk="1" latinLnBrk="0" hangingPunct="1">
+              <a:lnSpc>
+                <a:spcPct val="100000"/>
+              </a:lnSpc>
+              <a:spcBef>
+                <a:spcPts val="500"/>
+              </a:spcBef>
+              <a:buClr>
+                <a:schemeClr val="tx1">
+                  <a:lumMod val="85000"/>
+                  <a:lumOff val="15000"/>
+                </a:schemeClr>
+              </a:buClr>
+              <a:buFont typeface="Garamond" pitchFamily="18" charset="0"/>
+              <a:buNone/>
+              <a:defRPr sz="1600" b="1" kern="1200">
+                <a:solidFill>
+                  <a:schemeClr val="tx1"/>
+                </a:solidFill>
+                <a:latin typeface="+mn-lt"/>
+                <a:ea typeface="+mn-ea"/>
+                <a:cs typeface="+mn-cs"/>
+              </a:defRPr>
+            </a:lvl4pPr>
+            <a:lvl5pPr marL="1828800" indent="0" algn="l" defTabSz="914400" rtl="0" eaLnBrk="1" latinLnBrk="0" hangingPunct="1">
+              <a:lnSpc>
+                <a:spcPct val="100000"/>
+              </a:lnSpc>
+              <a:spcBef>
+                <a:spcPts val="500"/>
+              </a:spcBef>
+              <a:buClr>
+                <a:schemeClr val="tx1">
+                  <a:lumMod val="85000"/>
+                  <a:lumOff val="15000"/>
+                </a:schemeClr>
+              </a:buClr>
+              <a:buFont typeface="Garamond" pitchFamily="18" charset="0"/>
+              <a:buNone/>
+              <a:defRPr sz="1600" b="1" kern="1200">
+                <a:solidFill>
+                  <a:schemeClr val="tx1"/>
+                </a:solidFill>
+                <a:latin typeface="+mn-lt"/>
+                <a:ea typeface="+mn-ea"/>
+                <a:cs typeface="+mn-cs"/>
+              </a:defRPr>
+            </a:lvl5pPr>
+            <a:lvl6pPr marL="2286000" indent="0" algn="l" defTabSz="914400" rtl="0" eaLnBrk="1" latinLnBrk="0" hangingPunct="1">
+              <a:lnSpc>
+                <a:spcPct val="100000"/>
+              </a:lnSpc>
+              <a:spcBef>
+                <a:spcPts val="500"/>
+              </a:spcBef>
+              <a:buClr>
+                <a:schemeClr val="tx1">
+                  <a:lumMod val="85000"/>
+                  <a:lumOff val="15000"/>
+                </a:schemeClr>
+              </a:buClr>
+              <a:buFont typeface="Garamond" pitchFamily="18" charset="0"/>
+              <a:buNone/>
+              <a:defRPr sz="1600" b="1" kern="1200">
+                <a:solidFill>
+                  <a:schemeClr val="tx1"/>
+                </a:solidFill>
+                <a:latin typeface="+mn-lt"/>
+                <a:ea typeface="+mn-ea"/>
+                <a:cs typeface="+mn-cs"/>
+              </a:defRPr>
+            </a:lvl6pPr>
+            <a:lvl7pPr marL="2743200" indent="0" algn="l" defTabSz="914400" rtl="0" eaLnBrk="1" latinLnBrk="0" hangingPunct="1">
+              <a:lnSpc>
+                <a:spcPct val="100000"/>
+              </a:lnSpc>
+              <a:spcBef>
+                <a:spcPts val="500"/>
+              </a:spcBef>
+              <a:buClr>
+                <a:schemeClr val="tx1">
+                  <a:lumMod val="85000"/>
+                  <a:lumOff val="15000"/>
+                </a:schemeClr>
+              </a:buClr>
+              <a:buFont typeface="Garamond" pitchFamily="18" charset="0"/>
+              <a:buNone/>
+              <a:defRPr sz="1600" b="1" kern="1200">
+                <a:solidFill>
+                  <a:schemeClr val="tx1"/>
+                </a:solidFill>
+                <a:latin typeface="+mn-lt"/>
+                <a:ea typeface="+mn-ea"/>
+                <a:cs typeface="+mn-cs"/>
+              </a:defRPr>
+            </a:lvl7pPr>
+            <a:lvl8pPr marL="3200400" indent="0" algn="l" defTabSz="914400" rtl="0" eaLnBrk="1" latinLnBrk="0" hangingPunct="1">
+              <a:lnSpc>
+                <a:spcPct val="100000"/>
+              </a:lnSpc>
+              <a:spcBef>
+                <a:spcPts val="500"/>
+              </a:spcBef>
+              <a:buClr>
+                <a:schemeClr val="tx1">
+                  <a:lumMod val="85000"/>
+                  <a:lumOff val="15000"/>
+                </a:schemeClr>
+              </a:buClr>
+              <a:buFont typeface="Garamond" pitchFamily="18" charset="0"/>
+              <a:buNone/>
+              <a:defRPr sz="1600" b="1" kern="1200">
+                <a:solidFill>
+                  <a:schemeClr val="tx1"/>
+                </a:solidFill>
+                <a:latin typeface="+mn-lt"/>
+                <a:ea typeface="+mn-ea"/>
+                <a:cs typeface="+mn-cs"/>
+              </a:defRPr>
+            </a:lvl8pPr>
+            <a:lvl9pPr marL="3657600" indent="0" algn="l" defTabSz="914400" rtl="0" eaLnBrk="1" latinLnBrk="0" hangingPunct="1">
+              <a:lnSpc>
+                <a:spcPct val="100000"/>
+              </a:lnSpc>
+              <a:spcBef>
+                <a:spcPts val="500"/>
+              </a:spcBef>
+              <a:buClr>
+                <a:schemeClr val="tx1">
+                  <a:lumMod val="85000"/>
+                  <a:lumOff val="15000"/>
+                </a:schemeClr>
+              </a:buClr>
+              <a:buFont typeface="Garamond" pitchFamily="18" charset="0"/>
+              <a:buNone/>
+              <a:defRPr sz="1600" b="1" kern="1200">
+                <a:solidFill>
+                  <a:schemeClr val="tx1"/>
+                </a:solidFill>
+                <a:latin typeface="+mn-lt"/>
+                <a:ea typeface="+mn-ea"/>
+                <a:cs typeface="+mn-cs"/>
+              </a:defRPr>
+            </a:lvl9pPr>
+          </a:lstStyle>
+          <a:p>
+            <a:r>
+              <a:rPr lang="fr-FR" dirty="0"/>
+              <a:t>Articles </a:t>
+            </a:r>
+            <a:r>
+              <a:rPr lang="fr-FR" dirty="0" err="1"/>
+              <a:t>Covid</a:t>
+            </a:r>
+            <a:endParaRPr lang="fr-FR" dirty="0"/>
+          </a:p>
+        </p:txBody>
+      </p:sp>
+      <p:sp>
+        <p:nvSpPr>
+          <p:cNvPr id="10" name="Espace réservé du contenu 5">
+            <a:extLst>
+              <a:ext uri="{FF2B5EF4-FFF2-40B4-BE49-F238E27FC236}">
+                <a16:creationId xmlns:a16="http://schemas.microsoft.com/office/drawing/2014/main" id="{BE006AF3-D80D-48FD-B7A8-4CE0F67BD672}"/>
+              </a:ext>
+            </a:extLst>
+          </p:cNvPr>
+          <p:cNvSpPr txBox="1">
+            <a:spLocks/>
+          </p:cNvSpPr>
+          <p:nvPr/>
+        </p:nvSpPr>
+        <p:spPr>
+          <a:xfrm>
+            <a:off x="8356302" y="2870531"/>
+            <a:ext cx="3587073" cy="3164509"/>
+          </a:xfrm>
+          <a:prstGeom prst="rect">
+            <a:avLst/>
+          </a:prstGeom>
+        </p:spPr>
+        <p:txBody>
+          <a:bodyPr vert="horz" lIns="91440" tIns="45720" rIns="91440" bIns="45720" rtlCol="0">
+            <a:normAutofit/>
+          </a:bodyPr>
+          <a:lstStyle>
+            <a:lvl1pPr marL="182880" indent="-182880" algn="l" defTabSz="914400" rtl="0" eaLnBrk="1" latinLnBrk="0" hangingPunct="1">
+              <a:lnSpc>
+                <a:spcPct val="110000"/>
+              </a:lnSpc>
+              <a:spcBef>
+                <a:spcPts val="900"/>
+              </a:spcBef>
+              <a:spcAft>
+                <a:spcPts val="0"/>
+              </a:spcAft>
+              <a:buClr>
+                <a:schemeClr val="tx1">
+                  <a:lumMod val="85000"/>
+                  <a:lumOff val="15000"/>
+                </a:schemeClr>
+              </a:buClr>
+              <a:buFont typeface="Garamond" pitchFamily="18" charset="0"/>
+              <a:buChar char="◦"/>
+              <a:defRPr sz="1800" kern="1200">
+                <a:solidFill>
+                  <a:schemeClr val="tx1"/>
+                </a:solidFill>
+                <a:latin typeface="+mn-lt"/>
+                <a:ea typeface="+mn-ea"/>
+                <a:cs typeface="+mn-cs"/>
+              </a:defRPr>
+            </a:lvl1pPr>
+            <a:lvl2pPr marL="457200" indent="-182880" algn="l" defTabSz="914400" rtl="0" eaLnBrk="1" latinLnBrk="0" hangingPunct="1">
+              <a:lnSpc>
+                <a:spcPct val="100000"/>
+              </a:lnSpc>
+              <a:spcBef>
+                <a:spcPts val="500"/>
+              </a:spcBef>
+              <a:buClr>
+                <a:schemeClr val="tx1">
+                  <a:lumMod val="85000"/>
+                  <a:lumOff val="15000"/>
+                </a:schemeClr>
+              </a:buClr>
+              <a:buFont typeface="Garamond" pitchFamily="18" charset="0"/>
+              <a:buChar char="◦"/>
+              <a:defRPr sz="1600" kern="1200">
+                <a:solidFill>
+                  <a:schemeClr val="tx1"/>
+                </a:solidFill>
+                <a:latin typeface="+mn-lt"/>
+                <a:ea typeface="+mn-ea"/>
+                <a:cs typeface="+mn-cs"/>
+              </a:defRPr>
+            </a:lvl2pPr>
+            <a:lvl3pPr marL="731520" indent="-182880" algn="l" defTabSz="914400" rtl="0" eaLnBrk="1" latinLnBrk="0" hangingPunct="1">
+              <a:lnSpc>
+                <a:spcPct val="100000"/>
+              </a:lnSpc>
+              <a:spcBef>
+                <a:spcPts val="500"/>
+              </a:spcBef>
+              <a:buClr>
+                <a:schemeClr val="tx1">
+                  <a:lumMod val="85000"/>
+                  <a:lumOff val="15000"/>
+                </a:schemeClr>
+              </a:buClr>
+              <a:buFont typeface="Garamond" pitchFamily="18" charset="0"/>
+              <a:buChar char="◦"/>
+              <a:defRPr sz="1400" kern="1200">
+                <a:solidFill>
+                  <a:schemeClr val="tx1"/>
+                </a:solidFill>
+                <a:latin typeface="+mn-lt"/>
+                <a:ea typeface="+mn-ea"/>
+                <a:cs typeface="+mn-cs"/>
+              </a:defRPr>
+            </a:lvl3pPr>
+            <a:lvl4pPr marL="1005840" indent="-182880" algn="l" defTabSz="914400" rtl="0" eaLnBrk="1" latinLnBrk="0" hangingPunct="1">
+              <a:lnSpc>
+                <a:spcPct val="100000"/>
+              </a:lnSpc>
+              <a:spcBef>
+                <a:spcPts val="500"/>
+              </a:spcBef>
+              <a:buClr>
+                <a:schemeClr val="tx1">
+                  <a:lumMod val="85000"/>
+                  <a:lumOff val="15000"/>
+                </a:schemeClr>
+              </a:buClr>
+              <a:buFont typeface="Garamond" pitchFamily="18" charset="0"/>
+              <a:buChar char="◦"/>
+              <a:defRPr sz="1400" kern="1200">
+                <a:solidFill>
+                  <a:schemeClr val="tx1"/>
+                </a:solidFill>
+                <a:latin typeface="+mn-lt"/>
+                <a:ea typeface="+mn-ea"/>
+                <a:cs typeface="+mn-cs"/>
+              </a:defRPr>
+            </a:lvl4pPr>
+            <a:lvl5pPr marL="1280160" indent="-182880" algn="l" defTabSz="914400" rtl="0" eaLnBrk="1" latinLnBrk="0" hangingPunct="1">
+              <a:lnSpc>
+                <a:spcPct val="100000"/>
+              </a:lnSpc>
+              <a:spcBef>
+                <a:spcPts val="500"/>
+              </a:spcBef>
+              <a:buClr>
+                <a:schemeClr val="tx1">
+                  <a:lumMod val="85000"/>
+                  <a:lumOff val="15000"/>
+                </a:schemeClr>
+              </a:buClr>
+              <a:buFont typeface="Garamond" pitchFamily="18" charset="0"/>
+              <a:buChar char="◦"/>
+              <a:defRPr sz="1400" kern="1200">
+                <a:solidFill>
+                  <a:schemeClr val="tx1"/>
+                </a:solidFill>
+                <a:latin typeface="+mn-lt"/>
+                <a:ea typeface="+mn-ea"/>
+                <a:cs typeface="+mn-cs"/>
+              </a:defRPr>
+            </a:lvl5pPr>
+            <a:lvl6pPr marL="1600000" indent="-228600" algn="l" defTabSz="914400" rtl="0" eaLnBrk="1" latinLnBrk="0" hangingPunct="1">
+              <a:lnSpc>
+                <a:spcPct val="100000"/>
+              </a:lnSpc>
+              <a:spcBef>
+                <a:spcPts val="500"/>
+              </a:spcBef>
+              <a:buClr>
+                <a:schemeClr val="tx1">
+                  <a:lumMod val="85000"/>
+                  <a:lumOff val="15000"/>
+                </a:schemeClr>
+              </a:buClr>
+              <a:buFont typeface="Garamond" pitchFamily="18" charset="0"/>
+              <a:buChar char="◦"/>
+              <a:defRPr sz="1400" kern="1200">
+                <a:solidFill>
+                  <a:schemeClr val="tx1"/>
+                </a:solidFill>
+                <a:latin typeface="+mn-lt"/>
+                <a:ea typeface="+mn-ea"/>
+                <a:cs typeface="+mn-cs"/>
+              </a:defRPr>
+            </a:lvl6pPr>
+            <a:lvl7pPr marL="1900000" indent="-228600" algn="l" defTabSz="914400" rtl="0" eaLnBrk="1" latinLnBrk="0" hangingPunct="1">
+              <a:lnSpc>
+                <a:spcPct val="100000"/>
+              </a:lnSpc>
+              <a:spcBef>
+                <a:spcPts val="500"/>
+              </a:spcBef>
+              <a:buClr>
+                <a:schemeClr val="tx1">
+                  <a:lumMod val="85000"/>
+                  <a:lumOff val="15000"/>
+                </a:schemeClr>
+              </a:buClr>
+              <a:buFont typeface="Garamond" pitchFamily="18" charset="0"/>
+              <a:buChar char="◦"/>
+              <a:defRPr sz="1400" kern="1200">
+                <a:solidFill>
+                  <a:schemeClr val="tx1"/>
+                </a:solidFill>
+                <a:latin typeface="+mn-lt"/>
+                <a:ea typeface="+mn-ea"/>
+                <a:cs typeface="+mn-cs"/>
+              </a:defRPr>
+            </a:lvl7pPr>
+            <a:lvl8pPr marL="2200000" indent="-228600" algn="l" defTabSz="914400" rtl="0" eaLnBrk="1" latinLnBrk="0" hangingPunct="1">
+              <a:lnSpc>
+                <a:spcPct val="100000"/>
+              </a:lnSpc>
+              <a:spcBef>
+                <a:spcPts val="500"/>
+              </a:spcBef>
+              <a:buClr>
+                <a:schemeClr val="tx1">
+                  <a:lumMod val="85000"/>
+                  <a:lumOff val="15000"/>
+                </a:schemeClr>
+              </a:buClr>
+              <a:buFont typeface="Garamond" pitchFamily="18" charset="0"/>
+              <a:buChar char="◦"/>
+              <a:defRPr sz="1400" kern="1200">
+                <a:solidFill>
+                  <a:schemeClr val="tx1"/>
+                </a:solidFill>
+                <a:latin typeface="+mn-lt"/>
+                <a:ea typeface="+mn-ea"/>
+                <a:cs typeface="+mn-cs"/>
+              </a:defRPr>
+            </a:lvl8pPr>
+            <a:lvl9pPr marL="2500000" indent="-228600" algn="l" defTabSz="914400" rtl="0" eaLnBrk="1" latinLnBrk="0" hangingPunct="1">
+              <a:lnSpc>
+                <a:spcPct val="100000"/>
+              </a:lnSpc>
+              <a:spcBef>
+                <a:spcPts val="500"/>
+              </a:spcBef>
+              <a:buClr>
+                <a:schemeClr val="tx1">
+                  <a:lumMod val="85000"/>
+                  <a:lumOff val="15000"/>
+                </a:schemeClr>
+              </a:buClr>
+              <a:buFont typeface="Garamond" pitchFamily="18" charset="0"/>
+              <a:buChar char="◦"/>
+              <a:defRPr sz="1400" kern="1200">
+                <a:solidFill>
+                  <a:schemeClr val="tx1"/>
+                </a:solidFill>
+                <a:latin typeface="+mn-lt"/>
+                <a:ea typeface="+mn-ea"/>
+                <a:cs typeface="+mn-cs"/>
+              </a:defRPr>
+            </a:lvl9pPr>
+          </a:lstStyle>
+          <a:p>
+            <a:r>
+              <a:rPr lang="fr-FR" dirty="0"/>
+              <a:t>Durée : 0,5 jours</a:t>
+            </a:r>
+          </a:p>
+          <a:p>
+            <a:r>
+              <a:rPr lang="fr-FR" dirty="0"/>
+              <a:t>Sprint </a:t>
+            </a:r>
+            <a:r>
+              <a:rPr lang="fr-FR" dirty="0" err="1"/>
+              <a:t>Backlog</a:t>
+            </a:r>
+            <a:r>
+              <a:rPr lang="fr-FR" dirty="0"/>
+              <a:t> : Intégration d’article sur les actualités </a:t>
+            </a:r>
+            <a:r>
+              <a:rPr lang="fr-FR" dirty="0" err="1"/>
+              <a:t>covid</a:t>
+            </a:r>
+            <a:endParaRPr lang="fr-FR" dirty="0"/>
           </a:p>
         </p:txBody>
       </p:sp>
@@ -6635,37 +7411,44 @@
             <a:pPr rtl="0"/>
             <a:fld id="{007B49E2-AD49-4B10-A213-CF194D4A25A3}" type="datetime1">
               <a:rPr lang="fr-FR" smtClean="0"/>
-              <a:t>17/08/2021</a:t>
+              <a:t>19/08/2021</a:t>
             </a:fld>
             <a:endParaRPr lang="en-US"/>
           </a:p>
         </p:txBody>
       </p:sp>
-      <p:sp>
-        <p:nvSpPr>
-          <p:cNvPr id="6" name="Espace réservé du contenu 5">
+      <p:pic>
+        <p:nvPicPr>
+          <p:cNvPr id="4" name="Espace réservé du contenu 3">
             <a:extLst>
               <a:ext uri="{FF2B5EF4-FFF2-40B4-BE49-F238E27FC236}">
-                <a16:creationId xmlns:a16="http://schemas.microsoft.com/office/drawing/2014/main" id="{4E9AC23C-FB83-47C1-8951-9E5500F5243C}"/>
+                <a16:creationId xmlns:a16="http://schemas.microsoft.com/office/drawing/2014/main" id="{69116867-EA8D-4D07-837D-E43D78169053}"/>
               </a:ext>
             </a:extLst>
           </p:cNvPr>
-          <p:cNvSpPr>
-            <a:spLocks noGrp="1"/>
-          </p:cNvSpPr>
+          <p:cNvPicPr>
+            <a:picLocks noGrp="1" noChangeAspect="1"/>
+          </p:cNvPicPr>
           <p:nvPr>
             <p:ph sz="half" idx="2"/>
           </p:nvPr>
-        </p:nvSpPr>
-        <p:spPr/>
-        <p:txBody>
-          <a:bodyPr/>
-          <a:lstStyle/>
-          <a:p>
-            <a:endParaRPr lang="fr-FR"/>
-          </a:p>
-        </p:txBody>
-      </p:sp>
+        </p:nvPicPr>
+        <p:blipFill>
+          <a:blip r:embed="rId3"/>
+          <a:stretch>
+            <a:fillRect/>
+          </a:stretch>
+        </p:blipFill>
+        <p:spPr>
+          <a:xfrm>
+            <a:off x="1066800" y="2714414"/>
+            <a:ext cx="3163887" cy="3163887"/>
+          </a:xfrm>
+          <a:prstGeom prst="rect">
+            <a:avLst/>
+          </a:prstGeom>
+        </p:spPr>
+      </p:pic>
     </p:spTree>
     <p:extLst>
       <p:ext uri="{BB962C8B-B14F-4D97-AF65-F5344CB8AC3E}">
@@ -6755,7 +7538,7 @@
             <a:pPr rtl="0"/>
             <a:fld id="{43B6331D-8BD5-4AF5-97EE-8FB3C79FE924}" type="datetime1">
               <a:rPr lang="fr-FR" smtClean="0"/>
-              <a:t>17/08/2021</a:t>
+              <a:t>19/08/2021</a:t>
             </a:fld>
             <a:endParaRPr lang="en-US" dirty="0"/>
           </a:p>
@@ -6870,7 +7653,7 @@
           <a:p>
             <a:r>
               <a:rPr lang="fr-FR" dirty="0"/>
-              <a:t>Mohamed : A composé la base de données avec des produits pour la boutiques</a:t>
+              <a:t>Mohamed et Fatima : A composé la base de données avec des produits pour la boutiques</a:t>
             </a:r>
           </a:p>
           <a:p>
@@ -6910,7 +7693,7 @@
           <a:p>
             <a:r>
               <a:rPr lang="fr-FR" dirty="0"/>
-              <a:t>Mardi 17</a:t>
+              <a:t>Mardi 17 : Matin</a:t>
             </a:r>
           </a:p>
         </p:txBody>
@@ -6967,7 +7750,7 @@
             <a:pPr rtl="0"/>
             <a:fld id="{007B49E2-AD49-4B10-A213-CF194D4A25A3}" type="datetime1">
               <a:rPr lang="fr-FR" smtClean="0"/>
-              <a:t>17/08/2021</a:t>
+              <a:t>19/08/2021</a:t>
             </a:fld>
             <a:endParaRPr lang="en-US"/>
           </a:p>
@@ -7008,7 +7791,7 @@
           <p:cNvPr id="2" name="Titre 1">
             <a:extLst>
               <a:ext uri="{FF2B5EF4-FFF2-40B4-BE49-F238E27FC236}">
-                <a16:creationId xmlns:a16="http://schemas.microsoft.com/office/drawing/2014/main" id="{138BF542-1475-4F67-960B-AD7AC244D790}"/>
+                <a16:creationId xmlns:a16="http://schemas.microsoft.com/office/drawing/2014/main" id="{5BA5B894-E1FE-4E91-8BEC-45579577C23F}"/>
               </a:ext>
             </a:extLst>
           </p:cNvPr>
@@ -7016,32 +7799,36 @@
             <a:spLocks noGrp="1"/>
           </p:cNvSpPr>
           <p:nvPr>
-            <p:ph type="title"/>
+            <p:ph type="ctrTitle"/>
           </p:nvPr>
         </p:nvSpPr>
         <p:spPr/>
         <p:txBody>
-          <a:bodyPr/>
+          <a:bodyPr>
+            <a:normAutofit/>
+          </a:bodyPr>
           <a:lstStyle/>
           <a:p>
             <a:r>
               <a:rPr lang="fr-FR" dirty="0"/>
-              <a:t>Sprint </a:t>
-            </a:r>
-            <a:r>
-              <a:rPr lang="fr-FR" dirty="0" err="1"/>
-              <a:t>Review</a:t>
-            </a:r>
-            <a:endParaRPr lang="fr-FR" dirty="0"/>
-          </a:p>
-        </p:txBody>
-      </p:sp>
-      <p:sp>
-        <p:nvSpPr>
-          <p:cNvPr id="3" name="Espace réservé du contenu 2">
+              <a:t>Sprint 2 :</a:t>
+            </a:r>
+            <a:br>
+              <a:rPr lang="fr-FR" dirty="0"/>
+            </a:br>
+            <a:r>
+              <a:rPr lang="fr-FR" dirty="0"/>
+              <a:t>e-commerce</a:t>
+            </a:r>
+          </a:p>
+        </p:txBody>
+      </p:sp>
+      <p:sp>
+        <p:nvSpPr>
+          <p:cNvPr id="4" name="Espace réservé de la date 3">
             <a:extLst>
               <a:ext uri="{FF2B5EF4-FFF2-40B4-BE49-F238E27FC236}">
-                <a16:creationId xmlns:a16="http://schemas.microsoft.com/office/drawing/2014/main" id="{C81E2F24-0AFE-495E-88D9-C4BE720FEAE5}"/>
+                <a16:creationId xmlns:a16="http://schemas.microsoft.com/office/drawing/2014/main" id="{014183DE-9821-4688-9E3D-A6A00E9C308F}"/>
               </a:ext>
             </a:extLst>
           </p:cNvPr>
@@ -7049,7 +7836,7 @@
             <a:spLocks noGrp="1"/>
           </p:cNvSpPr>
           <p:nvPr>
-            <p:ph idx="1"/>
+            <p:ph type="dt" sz="half" idx="10"/>
           </p:nvPr>
         </p:nvSpPr>
         <p:spPr/>
@@ -7057,49 +7844,19 @@
           <a:bodyPr/>
           <a:lstStyle/>
           <a:p>
-            <a:pPr lvl="1"/>
-            <a:r>
-              <a:rPr lang="fr-FR" dirty="0" err="1"/>
-              <a:t>interrn</a:t>
-            </a:r>
-            <a:endParaRPr lang="fr-FR" dirty="0"/>
-          </a:p>
-        </p:txBody>
-      </p:sp>
-      <p:sp>
-        <p:nvSpPr>
-          <p:cNvPr id="4" name="Espace réservé de la date 3">
-            <a:extLst>
-              <a:ext uri="{FF2B5EF4-FFF2-40B4-BE49-F238E27FC236}">
-                <a16:creationId xmlns:a16="http://schemas.microsoft.com/office/drawing/2014/main" id="{7F6B6DF8-1348-4226-A446-7F3B64E68843}"/>
-              </a:ext>
-            </a:extLst>
-          </p:cNvPr>
-          <p:cNvSpPr>
-            <a:spLocks noGrp="1"/>
-          </p:cNvSpPr>
-          <p:nvPr>
-            <p:ph type="dt" sz="half" idx="10"/>
-          </p:nvPr>
-        </p:nvSpPr>
-        <p:spPr/>
-        <p:txBody>
-          <a:bodyPr/>
-          <a:lstStyle/>
-          <a:p>
             <a:pPr rtl="0"/>
-            <a:fld id="{802FE938-1586-4780-B61A-DD3B60BAB93C}" type="datetime1">
+            <a:fld id="{43B6331D-8BD5-4AF5-97EE-8FB3C79FE924}" type="datetime1">
               <a:rPr lang="fr-FR" smtClean="0"/>
-              <a:t>17/08/2021</a:t>
+              <a:t>19/08/2021</a:t>
             </a:fld>
-            <a:endParaRPr lang="en-US"/>
+            <a:endParaRPr lang="en-US" dirty="0"/>
           </a:p>
         </p:txBody>
       </p:sp>
     </p:spTree>
     <p:extLst>
       <p:ext uri="{BB962C8B-B14F-4D97-AF65-F5344CB8AC3E}">
-        <p14:creationId xmlns:p14="http://schemas.microsoft.com/office/powerpoint/2010/main" val="3783455933"/>
+        <p14:creationId xmlns:p14="http://schemas.microsoft.com/office/powerpoint/2010/main" val="3496279981"/>
       </p:ext>
     </p:extLst>
   </p:cSld>
@@ -7131,7 +7888,7 @@
           <p:cNvPr id="2" name="Titre 1">
             <a:extLst>
               <a:ext uri="{FF2B5EF4-FFF2-40B4-BE49-F238E27FC236}">
-                <a16:creationId xmlns:a16="http://schemas.microsoft.com/office/drawing/2014/main" id="{774224A5-BC49-46E0-AAAB-DF15132D01A0}"/>
+                <a16:creationId xmlns:a16="http://schemas.microsoft.com/office/drawing/2014/main" id="{ECF9D479-703F-47CE-AD11-A432DDDA8B84}"/>
               </a:ext>
             </a:extLst>
           </p:cNvPr>
@@ -7147,16 +7904,19 @@
           <a:bodyPr/>
           <a:lstStyle/>
           <a:p>
-            <a:endParaRPr lang="fr-FR"/>
-          </a:p>
-        </p:txBody>
-      </p:sp>
-      <p:sp>
-        <p:nvSpPr>
-          <p:cNvPr id="3" name="Espace réservé du contenu 2">
+            <a:r>
+              <a:rPr lang="fr-FR" dirty="0"/>
+              <a:t>Daily Scrum</a:t>
+            </a:r>
+          </a:p>
+        </p:txBody>
+      </p:sp>
+      <p:sp>
+        <p:nvSpPr>
+          <p:cNvPr id="3" name="Espace réservé du texte 2">
             <a:extLst>
               <a:ext uri="{FF2B5EF4-FFF2-40B4-BE49-F238E27FC236}">
-                <a16:creationId xmlns:a16="http://schemas.microsoft.com/office/drawing/2014/main" id="{8C64A9B5-A3F6-427F-B75F-1B806C50D5B4}"/>
+                <a16:creationId xmlns:a16="http://schemas.microsoft.com/office/drawing/2014/main" id="{79BFB4C0-CECD-4B28-AAAE-2FBCBC05876F}"/>
               </a:ext>
             </a:extLst>
           </p:cNvPr>
@@ -7164,7 +7924,7 @@
             <a:spLocks noGrp="1"/>
           </p:cNvSpPr>
           <p:nvPr>
-            <p:ph idx="1"/>
+            <p:ph type="body" idx="1"/>
           </p:nvPr>
         </p:nvSpPr>
         <p:spPr/>
@@ -7174,17 +7934,17 @@
           <a:p>
             <a:r>
               <a:rPr lang="fr-FR" dirty="0"/>
-              <a:t>démo</a:t>
-            </a:r>
-          </a:p>
-        </p:txBody>
-      </p:sp>
-      <p:sp>
-        <p:nvSpPr>
-          <p:cNvPr id="4" name="Espace réservé de la date 3">
+              <a:t>Mardi 17 : Après midi</a:t>
+            </a:r>
+          </a:p>
+        </p:txBody>
+      </p:sp>
+      <p:sp>
+        <p:nvSpPr>
+          <p:cNvPr id="4" name="Espace réservé du contenu 3">
             <a:extLst>
               <a:ext uri="{FF2B5EF4-FFF2-40B4-BE49-F238E27FC236}">
-                <a16:creationId xmlns:a16="http://schemas.microsoft.com/office/drawing/2014/main" id="{FD508E12-B6DE-464C-B939-61CE12F73FF8}"/>
+                <a16:creationId xmlns:a16="http://schemas.microsoft.com/office/drawing/2014/main" id="{AB6F6D5C-902D-4B80-AE10-38255FE93718}"/>
               </a:ext>
             </a:extLst>
           </p:cNvPr>
@@ -7192,7 +7952,7 @@
             <a:spLocks noGrp="1"/>
           </p:cNvSpPr>
           <p:nvPr>
-            <p:ph type="dt" sz="half" idx="10"/>
+            <p:ph sz="half" idx="2"/>
           </p:nvPr>
         </p:nvSpPr>
         <p:spPr/>
@@ -7200,10 +7960,58 @@
           <a:bodyPr/>
           <a:lstStyle/>
           <a:p>
+            <a:r>
+              <a:rPr lang="fr-FR" dirty="0"/>
+              <a:t>Benjamin : Mise en place du module e-commerce</a:t>
+            </a:r>
+          </a:p>
+          <a:p>
+            <a:r>
+              <a:rPr lang="fr-FR" dirty="0"/>
+              <a:t>Chaimae : Adaptation du </a:t>
+            </a:r>
+            <a:r>
+              <a:rPr lang="fr-FR" dirty="0" err="1"/>
+              <a:t>template</a:t>
+            </a:r>
+            <a:r>
+              <a:rPr lang="fr-FR" dirty="0"/>
+              <a:t> au module e-commerce</a:t>
+            </a:r>
+          </a:p>
+          <a:p>
+            <a:r>
+              <a:rPr lang="fr-FR" dirty="0"/>
+              <a:t>Mohamed : Création des tables pour le module e-commerce</a:t>
+            </a:r>
+          </a:p>
+        </p:txBody>
+      </p:sp>
+      <p:sp>
+        <p:nvSpPr>
+          <p:cNvPr id="7" name="Espace réservé de la date 6">
+            <a:extLst>
+              <a:ext uri="{FF2B5EF4-FFF2-40B4-BE49-F238E27FC236}">
+                <a16:creationId xmlns:a16="http://schemas.microsoft.com/office/drawing/2014/main" id="{DFDCFAE5-7DE6-45F6-8652-D14C3D1A0717}"/>
+              </a:ext>
+            </a:extLst>
+          </p:cNvPr>
+          <p:cNvSpPr>
+            <a:spLocks noGrp="1"/>
+          </p:cNvSpPr>
+          <p:nvPr>
+            <p:ph type="dt" sz="half" idx="10"/>
+          </p:nvPr>
+        </p:nvSpPr>
+        <p:spPr/>
+        <p:txBody>
+          <a:bodyPr/>
+          <a:lstStyle/>
+          <a:p>
             <a:pPr rtl="0"/>
-            <a:fld id="{802FE938-1586-4780-B61A-DD3B60BAB93C}" type="datetime1">
+            <a:fld id="{007B49E2-AD49-4B10-A213-CF194D4A25A3}" type="datetime1">
               <a:rPr lang="fr-FR" smtClean="0"/>
-              <a:t>17/08/2021</a:t>
+              <a:t>19/08/2021</a:t>
             </a:fld>
             <a:endParaRPr lang="en-US"/>
           </a:p>
@@ -7212,7 +8020,7 @@
     </p:spTree>
     <p:extLst>
       <p:ext uri="{BB962C8B-B14F-4D97-AF65-F5344CB8AC3E}">
-        <p14:creationId xmlns:p14="http://schemas.microsoft.com/office/powerpoint/2010/main" val="1005981647"/>
+        <p14:creationId xmlns:p14="http://schemas.microsoft.com/office/powerpoint/2010/main" val="46181368"/>
       </p:ext>
     </p:extLst>
   </p:cSld>
